--- a/course_docs/20130319/HadoopLesson.pptx
+++ b/course_docs/20130319/HadoopLesson.pptx
@@ -226,7 +226,7 @@
           <a:p>
             <a:fld id="{34E7ED73-93BB-9B40-8D63-5861453B2384}" type="datetimeFigureOut">
               <a:rPr lang="en-US" smtClean="0"/>
-              <a:t>3/19/13</a:t>
+              <a:t>3/24/2013</a:t>
             </a:fld>
             <a:endParaRPr lang="en-US"/>
           </a:p>
@@ -513,6 +513,205 @@
       </p:grpSpPr>
       <p:sp>
         <p:nvSpPr>
+          <p:cNvPr id="2" name="Slide Image Placeholder 1"/>
+          <p:cNvSpPr>
+            <a:spLocks noGrp="1" noRot="1" noChangeAspect="1"/>
+          </p:cNvSpPr>
+          <p:nvPr>
+            <p:ph type="sldImg"/>
+          </p:nvPr>
+        </p:nvSpPr>
+        <p:spPr/>
+      </p:sp>
+      <p:sp>
+        <p:nvSpPr>
+          <p:cNvPr id="3" name="Notes Placeholder 2"/>
+          <p:cNvSpPr>
+            <a:spLocks noGrp="1"/>
+          </p:cNvSpPr>
+          <p:nvPr>
+            <p:ph type="body" idx="1"/>
+          </p:nvPr>
+        </p:nvSpPr>
+        <p:spPr/>
+        <p:txBody>
+          <a:bodyPr/>
+          <a:lstStyle/>
+          <a:p>
+            <a:r>
+              <a:rPr lang="en-US" altLang="zh-CN" dirty="0" smtClean="0"/>
+              <a:t>http://www.cloudera.com/content/cloudera/en/why-cloudera/hadoop-and-big-data.html</a:t>
+            </a:r>
+          </a:p>
+          <a:p>
+            <a:r>
+              <a:rPr lang="en-US" altLang="zh-CN" dirty="0" smtClean="0"/>
+              <a:t>http://www-01.ibm.com/software/data/infosphere/hadoop/</a:t>
+            </a:r>
+          </a:p>
+          <a:p>
+            <a:r>
+              <a:rPr lang="en-US" altLang="zh-CN" dirty="0" smtClean="0"/>
+              <a:t>http://baike.baidu.com/view/991489.htm</a:t>
+            </a:r>
+          </a:p>
+          <a:p>
+            <a:r>
+              <a:rPr lang="en-US" altLang="zh-CN" smtClean="0"/>
+              <a:t>http://baike.baidu.com/view/908354.htm</a:t>
+            </a:r>
+            <a:endParaRPr lang="zh-CN" altLang="en-US" dirty="0"/>
+          </a:p>
+        </p:txBody>
+      </p:sp>
+      <p:sp>
+        <p:nvSpPr>
+          <p:cNvPr id="4" name="Slide Number Placeholder 3"/>
+          <p:cNvSpPr>
+            <a:spLocks noGrp="1"/>
+          </p:cNvSpPr>
+          <p:nvPr>
+            <p:ph type="sldNum" sz="quarter" idx="10"/>
+          </p:nvPr>
+        </p:nvSpPr>
+        <p:spPr/>
+        <p:txBody>
+          <a:bodyPr/>
+          <a:lstStyle/>
+          <a:p>
+            <a:fld id="{E316B419-4020-B44B-A7E2-FA01736E26BD}" type="slidenum">
+              <a:rPr lang="en-US" smtClean="0"/>
+              <a:t>1</a:t>
+            </a:fld>
+            <a:endParaRPr lang="en-US"/>
+          </a:p>
+        </p:txBody>
+      </p:sp>
+    </p:spTree>
+    <p:extLst>
+      <p:ext uri="{BB962C8B-B14F-4D97-AF65-F5344CB8AC3E}">
+        <p14:creationId xmlns:p14="http://schemas.microsoft.com/office/powerpoint/2010/main" val="4246912927"/>
+      </p:ext>
+    </p:extLst>
+  </p:cSld>
+  <p:clrMapOvr>
+    <a:masterClrMapping/>
+  </p:clrMapOvr>
+</p:notes>
+</file>
+
+<file path=ppt/notesSlides/notesSlide10.xml><?xml version="1.0" encoding="utf-8"?>
+<p:notes xmlns:a="http://schemas.openxmlformats.org/drawingml/2006/main" xmlns:r="http://schemas.openxmlformats.org/officeDocument/2006/relationships" xmlns:p="http://schemas.openxmlformats.org/presentationml/2006/main">
+  <p:cSld>
+    <p:spTree>
+      <p:nvGrpSpPr>
+        <p:cNvPr id="1" name=""/>
+        <p:cNvGrpSpPr/>
+        <p:nvPr/>
+      </p:nvGrpSpPr>
+      <p:grpSpPr>
+        <a:xfrm>
+          <a:off x="0" y="0"/>
+          <a:ext cx="0" cy="0"/>
+          <a:chOff x="0" y="0"/>
+          <a:chExt cx="0" cy="0"/>
+        </a:xfrm>
+      </p:grpSpPr>
+      <p:sp>
+        <p:nvSpPr>
+          <p:cNvPr id="2" name="Slide Image Placeholder 1"/>
+          <p:cNvSpPr>
+            <a:spLocks noGrp="1" noRot="1" noChangeAspect="1"/>
+          </p:cNvSpPr>
+          <p:nvPr>
+            <p:ph type="sldImg"/>
+          </p:nvPr>
+        </p:nvSpPr>
+        <p:spPr/>
+      </p:sp>
+      <p:sp>
+        <p:nvSpPr>
+          <p:cNvPr id="3" name="Notes Placeholder 2"/>
+          <p:cNvSpPr>
+            <a:spLocks noGrp="1"/>
+          </p:cNvSpPr>
+          <p:nvPr>
+            <p:ph type="body" idx="1"/>
+          </p:nvPr>
+        </p:nvSpPr>
+        <p:spPr/>
+        <p:txBody>
+          <a:bodyPr/>
+          <a:lstStyle/>
+          <a:p>
+            <a:r>
+              <a:rPr lang="en-US" dirty="0" smtClean="0"/>
+              <a:t>Don’t sign up for AWS support</a:t>
+            </a:r>
+          </a:p>
+          <a:p>
+            <a:endParaRPr lang="en-US" dirty="0" smtClean="0"/>
+          </a:p>
+          <a:p>
+            <a:endParaRPr lang="en-US" dirty="0"/>
+          </a:p>
+        </p:txBody>
+      </p:sp>
+      <p:sp>
+        <p:nvSpPr>
+          <p:cNvPr id="4" name="Slide Number Placeholder 3"/>
+          <p:cNvSpPr>
+            <a:spLocks noGrp="1"/>
+          </p:cNvSpPr>
+          <p:nvPr>
+            <p:ph type="sldNum" sz="quarter" idx="10"/>
+          </p:nvPr>
+        </p:nvSpPr>
+        <p:spPr/>
+        <p:txBody>
+          <a:bodyPr/>
+          <a:lstStyle/>
+          <a:p>
+            <a:fld id="{E316B419-4020-B44B-A7E2-FA01736E26BD}" type="slidenum">
+              <a:rPr lang="en-US" smtClean="0"/>
+              <a:t>27</a:t>
+            </a:fld>
+            <a:endParaRPr lang="en-US"/>
+          </a:p>
+        </p:txBody>
+      </p:sp>
+    </p:spTree>
+    <p:extLst>
+      <p:ext uri="{BB962C8B-B14F-4D97-AF65-F5344CB8AC3E}">
+        <p14:creationId xmlns:p14="http://schemas.microsoft.com/office/powerpoint/2010/main" val="1680873144"/>
+      </p:ext>
+    </p:extLst>
+  </p:cSld>
+  <p:clrMapOvr>
+    <a:masterClrMapping/>
+  </p:clrMapOvr>
+</p:notes>
+</file>
+
+<file path=ppt/notesSlides/notesSlide2.xml><?xml version="1.0" encoding="utf-8"?>
+<p:notes xmlns:a="http://schemas.openxmlformats.org/drawingml/2006/main" xmlns:r="http://schemas.openxmlformats.org/officeDocument/2006/relationships" xmlns:p="http://schemas.openxmlformats.org/presentationml/2006/main">
+  <p:cSld>
+    <p:spTree>
+      <p:nvGrpSpPr>
+        <p:cNvPr id="1" name=""/>
+        <p:cNvGrpSpPr/>
+        <p:nvPr/>
+      </p:nvGrpSpPr>
+      <p:grpSpPr>
+        <a:xfrm>
+          <a:off x="0" y="0"/>
+          <a:ext cx="0" cy="0"/>
+          <a:chOff x="0" y="0"/>
+          <a:chExt cx="0" cy="0"/>
+        </a:xfrm>
+      </p:grpSpPr>
+      <p:sp>
+        <p:nvSpPr>
           <p:cNvPr id="17410" name="Rectangle 7"/>
           <p:cNvSpPr>
             <a:spLocks noGrp="1" noChangeArrowheads="1"/>
@@ -525,14 +724,14 @@
           <a:noFill/>
           <a:ln/>
           <a:extLst>
-            <a:ext uri="{909E8E84-426E-40dd-AFC4-6F175D3DCCD1}">
+            <a:ext uri="{909E8E84-426E-40DD-AFC4-6F175D3DCCD1}">
               <a14:hiddenFill xmlns:a14="http://schemas.microsoft.com/office/drawing/2010/main">
                 <a:solidFill>
                   <a:srgbClr val="FFFFFF"/>
                 </a:solidFill>
               </a14:hiddenFill>
             </a:ext>
-            <a:ext uri="{91240B29-F687-4f45-9708-019B960494DF}">
+            <a:ext uri="{91240B29-F687-4F45-9708-019B960494DF}">
               <a14:hiddenLine xmlns:a14="http://schemas.microsoft.com/office/drawing/2010/main" w="9525">
                 <a:solidFill>
                   <a:srgbClr val="000000"/>
@@ -693,14 +892,14 @@
           <a:noFill/>
           <a:ln/>
           <a:extLst>
-            <a:ext uri="{909E8E84-426E-40dd-AFC4-6F175D3DCCD1}">
+            <a:ext uri="{909E8E84-426E-40DD-AFC4-6F175D3DCCD1}">
               <a14:hiddenFill xmlns:a14="http://schemas.microsoft.com/office/drawing/2010/main">
                 <a:solidFill>
                   <a:srgbClr val="FFFFFF"/>
                 </a:solidFill>
               </a14:hiddenFill>
             </a:ext>
-            <a:ext uri="{91240B29-F687-4f45-9708-019B960494DF}">
+            <a:ext uri="{91240B29-F687-4F45-9708-019B960494DF}">
               <a14:hiddenLine xmlns:a14="http://schemas.microsoft.com/office/drawing/2010/main" w="9525">
                 <a:solidFill>
                   <a:srgbClr val="000000"/>
@@ -711,7 +910,7 @@
               </a14:hiddenLine>
             </a:ext>
             <a:ext uri="{FAA26D3D-D897-4be2-8F04-BA451C77F1D7}">
-              <ma14:placeholderFlag xmlns:ma14="http://schemas.microsoft.com/office/mac/drawingml/2011/main" val="1"/>
+              <ma14:placeholderFlag xmlns:ma14="http://schemas.microsoft.com/office/mac/drawingml/2011/main" xmlns="" val="1"/>
             </a:ext>
           </a:extLst>
         </p:spPr>
@@ -736,7 +935,7 @@
 </p:notes>
 </file>
 
-<file path=ppt/notesSlides/notesSlide2.xml><?xml version="1.0" encoding="utf-8"?>
+<file path=ppt/notesSlides/notesSlide3.xml><?xml version="1.0" encoding="utf-8"?>
 <p:notes xmlns:a="http://schemas.openxmlformats.org/drawingml/2006/main" xmlns:r="http://schemas.openxmlformats.org/officeDocument/2006/relationships" xmlns:p="http://schemas.openxmlformats.org/presentationml/2006/main">
   <p:cSld>
     <p:spTree>
@@ -767,14 +966,14 @@
           <a:noFill/>
           <a:ln/>
           <a:extLst>
-            <a:ext uri="{909E8E84-426E-40dd-AFC4-6F175D3DCCD1}">
+            <a:ext uri="{909E8E84-426E-40DD-AFC4-6F175D3DCCD1}">
               <a14:hiddenFill xmlns:a14="http://schemas.microsoft.com/office/drawing/2010/main">
                 <a:solidFill>
                   <a:srgbClr val="FFFFFF"/>
                 </a:solidFill>
               </a14:hiddenFill>
             </a:ext>
-            <a:ext uri="{91240B29-F687-4f45-9708-019B960494DF}">
+            <a:ext uri="{91240B29-F687-4F45-9708-019B960494DF}">
               <a14:hiddenLine xmlns:a14="http://schemas.microsoft.com/office/drawing/2010/main" w="9525">
                 <a:solidFill>
                   <a:srgbClr val="000000"/>
@@ -935,14 +1134,14 @@
           <a:noFill/>
           <a:ln/>
           <a:extLst>
-            <a:ext uri="{909E8E84-426E-40dd-AFC4-6F175D3DCCD1}">
+            <a:ext uri="{909E8E84-426E-40DD-AFC4-6F175D3DCCD1}">
               <a14:hiddenFill xmlns:a14="http://schemas.microsoft.com/office/drawing/2010/main">
                 <a:solidFill>
                   <a:srgbClr val="FFFFFF"/>
                 </a:solidFill>
               </a14:hiddenFill>
             </a:ext>
-            <a:ext uri="{91240B29-F687-4f45-9708-019B960494DF}">
+            <a:ext uri="{91240B29-F687-4F45-9708-019B960494DF}">
               <a14:hiddenLine xmlns:a14="http://schemas.microsoft.com/office/drawing/2010/main" w="9525">
                 <a:solidFill>
                   <a:srgbClr val="000000"/>
@@ -953,7 +1152,7 @@
               </a14:hiddenLine>
             </a:ext>
             <a:ext uri="{FAA26D3D-D897-4be2-8F04-BA451C77F1D7}">
-              <ma14:placeholderFlag xmlns:ma14="http://schemas.microsoft.com/office/mac/drawingml/2011/main" val="1"/>
+              <ma14:placeholderFlag xmlns:ma14="http://schemas.microsoft.com/office/mac/drawingml/2011/main" xmlns="" val="1"/>
             </a:ext>
           </a:extLst>
         </p:spPr>
@@ -978,7 +1177,7 @@
 </p:notes>
 </file>
 
-<file path=ppt/notesSlides/notesSlide3.xml><?xml version="1.0" encoding="utf-8"?>
+<file path=ppt/notesSlides/notesSlide4.xml><?xml version="1.0" encoding="utf-8"?>
 <p:notes xmlns:a="http://schemas.openxmlformats.org/drawingml/2006/main" xmlns:r="http://schemas.openxmlformats.org/officeDocument/2006/relationships" xmlns:p="http://schemas.openxmlformats.org/presentationml/2006/main">
   <p:cSld>
     <p:spTree>
@@ -1009,14 +1208,14 @@
           <a:noFill/>
           <a:ln/>
           <a:extLst>
-            <a:ext uri="{909E8E84-426E-40dd-AFC4-6F175D3DCCD1}">
+            <a:ext uri="{909E8E84-426E-40DD-AFC4-6F175D3DCCD1}">
               <a14:hiddenFill xmlns:a14="http://schemas.microsoft.com/office/drawing/2010/main">
                 <a:solidFill>
                   <a:srgbClr val="FFFFFF"/>
                 </a:solidFill>
               </a14:hiddenFill>
             </a:ext>
-            <a:ext uri="{91240B29-F687-4f45-9708-019B960494DF}">
+            <a:ext uri="{91240B29-F687-4F45-9708-019B960494DF}">
               <a14:hiddenLine xmlns:a14="http://schemas.microsoft.com/office/drawing/2010/main" w="9525">
                 <a:solidFill>
                   <a:srgbClr val="000000"/>
@@ -1191,7 +1390,7 @@
           </a:ln>
           <a:extLst>
             <a:ext uri="{FAA26D3D-D897-4be2-8F04-BA451C77F1D7}">
-              <ma14:placeholderFlag xmlns:ma14="http://schemas.microsoft.com/office/mac/drawingml/2011/main" val="1"/>
+              <ma14:placeholderFlag xmlns:ma14="http://schemas.microsoft.com/office/mac/drawingml/2011/main" xmlns="" val="1"/>
             </a:ext>
           </a:extLst>
         </p:spPr>
@@ -1216,7 +1415,7 @@
 </p:notes>
 </file>
 
-<file path=ppt/notesSlides/notesSlide4.xml><?xml version="1.0" encoding="utf-8"?>
+<file path=ppt/notesSlides/notesSlide5.xml><?xml version="1.0" encoding="utf-8"?>
 <p:notes xmlns:a="http://schemas.openxmlformats.org/drawingml/2006/main" xmlns:r="http://schemas.openxmlformats.org/officeDocument/2006/relationships" xmlns:p="http://schemas.openxmlformats.org/presentationml/2006/main">
   <p:cSld>
     <p:spTree>
@@ -1247,14 +1446,14 @@
           <a:noFill/>
           <a:ln/>
           <a:extLst>
-            <a:ext uri="{909E8E84-426E-40dd-AFC4-6F175D3DCCD1}">
+            <a:ext uri="{909E8E84-426E-40DD-AFC4-6F175D3DCCD1}">
               <a14:hiddenFill xmlns:a14="http://schemas.microsoft.com/office/drawing/2010/main">
                 <a:solidFill>
                   <a:srgbClr val="FFFFFF"/>
                 </a:solidFill>
               </a14:hiddenFill>
             </a:ext>
-            <a:ext uri="{91240B29-F687-4f45-9708-019B960494DF}">
+            <a:ext uri="{91240B29-F687-4F45-9708-019B960494DF}">
               <a14:hiddenLine xmlns:a14="http://schemas.microsoft.com/office/drawing/2010/main" w="9525">
                 <a:solidFill>
                   <a:srgbClr val="000000"/>
@@ -1415,14 +1614,14 @@
           <a:noFill/>
           <a:ln/>
           <a:extLst>
-            <a:ext uri="{909E8E84-426E-40dd-AFC4-6F175D3DCCD1}">
+            <a:ext uri="{909E8E84-426E-40DD-AFC4-6F175D3DCCD1}">
               <a14:hiddenFill xmlns:a14="http://schemas.microsoft.com/office/drawing/2010/main">
                 <a:solidFill>
                   <a:srgbClr val="FFFFFF"/>
                 </a:solidFill>
               </a14:hiddenFill>
             </a:ext>
-            <a:ext uri="{91240B29-F687-4f45-9708-019B960494DF}">
+            <a:ext uri="{91240B29-F687-4F45-9708-019B960494DF}">
               <a14:hiddenLine xmlns:a14="http://schemas.microsoft.com/office/drawing/2010/main" w="9525">
                 <a:solidFill>
                   <a:srgbClr val="000000"/>
@@ -1433,7 +1632,7 @@
               </a14:hiddenLine>
             </a:ext>
             <a:ext uri="{FAA26D3D-D897-4be2-8F04-BA451C77F1D7}">
-              <ma14:placeholderFlag xmlns:ma14="http://schemas.microsoft.com/office/mac/drawingml/2011/main" val="1"/>
+              <ma14:placeholderFlag xmlns:ma14="http://schemas.microsoft.com/office/mac/drawingml/2011/main" xmlns="" val="1"/>
             </a:ext>
           </a:extLst>
         </p:spPr>
@@ -1458,7 +1657,7 @@
 </p:notes>
 </file>
 
-<file path=ppt/notesSlides/notesSlide5.xml><?xml version="1.0" encoding="utf-8"?>
+<file path=ppt/notesSlides/notesSlide6.xml><?xml version="1.0" encoding="utf-8"?>
 <p:notes xmlns:a="http://schemas.openxmlformats.org/drawingml/2006/main" xmlns:r="http://schemas.openxmlformats.org/officeDocument/2006/relationships" xmlns:p="http://schemas.openxmlformats.org/presentationml/2006/main">
   <p:cSld>
     <p:spTree>
@@ -1503,14 +1702,14 @@
           <a:noFill/>
           <a:ln/>
           <a:extLst>
-            <a:ext uri="{909E8E84-426E-40dd-AFC4-6F175D3DCCD1}">
+            <a:ext uri="{909E8E84-426E-40DD-AFC4-6F175D3DCCD1}">
               <a14:hiddenFill xmlns:a14="http://schemas.microsoft.com/office/drawing/2010/main">
                 <a:solidFill>
                   <a:srgbClr val="FFFFFF"/>
                 </a:solidFill>
               </a14:hiddenFill>
             </a:ext>
-            <a:ext uri="{91240B29-F687-4f45-9708-019B960494DF}">
+            <a:ext uri="{91240B29-F687-4F45-9708-019B960494DF}">
               <a14:hiddenLine xmlns:a14="http://schemas.microsoft.com/office/drawing/2010/main" w="9525">
                 <a:solidFill>
                   <a:srgbClr val="000000"/>
@@ -1521,7 +1720,7 @@
               </a14:hiddenLine>
             </a:ext>
             <a:ext uri="{FAA26D3D-D897-4be2-8F04-BA451C77F1D7}">
-              <ma14:placeholderFlag xmlns:ma14="http://schemas.microsoft.com/office/mac/drawingml/2011/main" val="1"/>
+              <ma14:placeholderFlag xmlns:ma14="http://schemas.microsoft.com/office/mac/drawingml/2011/main" xmlns="" val="1"/>
             </a:ext>
           </a:extLst>
         </p:spPr>
@@ -1551,14 +1750,14 @@
           <a:noFill/>
           <a:ln/>
           <a:extLst>
-            <a:ext uri="{909E8E84-426E-40dd-AFC4-6F175D3DCCD1}">
+            <a:ext uri="{909E8E84-426E-40DD-AFC4-6F175D3DCCD1}">
               <a14:hiddenFill xmlns:a14="http://schemas.microsoft.com/office/drawing/2010/main">
                 <a:solidFill>
                   <a:srgbClr val="FFFFFF"/>
                 </a:solidFill>
               </a14:hiddenFill>
             </a:ext>
-            <a:ext uri="{91240B29-F687-4f45-9708-019B960494DF}">
+            <a:ext uri="{91240B29-F687-4F45-9708-019B960494DF}">
               <a14:hiddenLine xmlns:a14="http://schemas.microsoft.com/office/drawing/2010/main" w="9525">
                 <a:solidFill>
                   <a:srgbClr val="000000"/>
@@ -1691,95 +1890,6 @@
             <a:endParaRPr lang="en-US" sz="900">
               <a:latin typeface="Times New Roman" charset="0"/>
             </a:endParaRPr>
-          </a:p>
-        </p:txBody>
-      </p:sp>
-    </p:spTree>
-  </p:cSld>
-  <p:clrMapOvr>
-    <a:masterClrMapping/>
-  </p:clrMapOvr>
-</p:notes>
-</file>
-
-<file path=ppt/notesSlides/notesSlide6.xml><?xml version="1.0" encoding="utf-8"?>
-<p:notes xmlns:a="http://schemas.openxmlformats.org/drawingml/2006/main" xmlns:r="http://schemas.openxmlformats.org/officeDocument/2006/relationships" xmlns:p="http://schemas.openxmlformats.org/presentationml/2006/main">
-  <p:cSld>
-    <p:spTree>
-      <p:nvGrpSpPr>
-        <p:cNvPr id="1" name=""/>
-        <p:cNvGrpSpPr/>
-        <p:nvPr/>
-      </p:nvGrpSpPr>
-      <p:grpSpPr>
-        <a:xfrm>
-          <a:off x="0" y="0"/>
-          <a:ext cx="0" cy="0"/>
-          <a:chOff x="0" y="0"/>
-          <a:chExt cx="0" cy="0"/>
-        </a:xfrm>
-      </p:grpSpPr>
-      <p:sp>
-        <p:nvSpPr>
-          <p:cNvPr id="7" name="Rectangle 7"/>
-          <p:cNvSpPr>
-            <a:spLocks noGrp="1" noChangeArrowheads="1"/>
-          </p:cNvSpPr>
-          <p:nvPr>
-            <p:ph type="sldNum" sz="quarter" idx="5"/>
-          </p:nvPr>
-        </p:nvSpPr>
-        <p:spPr>
-          <a:ln/>
-        </p:spPr>
-        <p:txBody>
-          <a:bodyPr/>
-          <a:lstStyle/>
-          <a:p>
-            <a:fld id="{413BDE60-85D9-4B4A-A832-60BCB573D1C8}" type="slidenum">
-              <a:rPr lang="en-US"/>
-              <a:pPr/>
-              <a:t>22</a:t>
-            </a:fld>
-            <a:endParaRPr lang="en-US"/>
-          </a:p>
-        </p:txBody>
-      </p:sp>
-      <p:sp>
-        <p:nvSpPr>
-          <p:cNvPr id="93186" name="Rectangle 2"/>
-          <p:cNvSpPr>
-            <a:spLocks noGrp="1" noRot="1" noChangeAspect="1" noChangeArrowheads="1" noTextEdit="1"/>
-          </p:cNvSpPr>
-          <p:nvPr>
-            <p:ph type="sldImg"/>
-          </p:nvPr>
-        </p:nvSpPr>
-        <p:spPr>
-          <a:ln/>
-          <a:extLst>
-            <a:ext uri="{FAA26D3D-D897-4be2-8F04-BA451C77F1D7}">
-              <ma14:placeholderFlag xmlns:ma14="http://schemas.microsoft.com/office/mac/drawingml/2011/main" val="1"/>
-            </a:ext>
-          </a:extLst>
-        </p:spPr>
-      </p:sp>
-      <p:sp>
-        <p:nvSpPr>
-          <p:cNvPr id="93187" name="Rectangle 3"/>
-          <p:cNvSpPr>
-            <a:spLocks noGrp="1" noChangeArrowheads="1"/>
-          </p:cNvSpPr>
-          <p:nvPr>
-            <p:ph type="body" idx="1"/>
-          </p:nvPr>
-        </p:nvSpPr>
-        <p:spPr/>
-        <p:txBody>
-          <a:bodyPr/>
-          <a:lstStyle/>
-          <a:p>
-            <a:endParaRPr lang="en-US"/>
           </a:p>
         </p:txBody>
       </p:sp>
@@ -1825,10 +1935,10 @@
           <a:bodyPr/>
           <a:lstStyle/>
           <a:p>
-            <a:fld id="{FB6B24F7-0C75-624C-AE07-0580A785CBD8}" type="slidenum">
+            <a:fld id="{413BDE60-85D9-4B4A-A832-60BCB573D1C8}" type="slidenum">
               <a:rPr lang="en-US"/>
               <a:pPr/>
-              <a:t>23</a:t>
+              <a:t>22</a:t>
             </a:fld>
             <a:endParaRPr lang="en-US"/>
           </a:p>
@@ -1836,7 +1946,7 @@
       </p:sp>
       <p:sp>
         <p:nvSpPr>
-          <p:cNvPr id="94210" name="Rectangle 2"/>
+          <p:cNvPr id="93186" name="Rectangle 2"/>
           <p:cNvSpPr>
             <a:spLocks noGrp="1" noRot="1" noChangeAspect="1" noChangeArrowheads="1" noTextEdit="1"/>
           </p:cNvSpPr>
@@ -1848,14 +1958,14 @@
           <a:ln/>
           <a:extLst>
             <a:ext uri="{FAA26D3D-D897-4be2-8F04-BA451C77F1D7}">
-              <ma14:placeholderFlag xmlns:ma14="http://schemas.microsoft.com/office/mac/drawingml/2011/main" val="1"/>
+              <ma14:placeholderFlag xmlns:ma14="http://schemas.microsoft.com/office/mac/drawingml/2011/main" xmlns="" val="1"/>
             </a:ext>
           </a:extLst>
         </p:spPr>
       </p:sp>
       <p:sp>
         <p:nvSpPr>
-          <p:cNvPr id="94211" name="Rectangle 3"/>
+          <p:cNvPr id="93187" name="Rectangle 3"/>
           <p:cNvSpPr>
             <a:spLocks noGrp="1" noChangeArrowheads="1"/>
           </p:cNvSpPr>
@@ -1914,10 +2024,10 @@
           <a:bodyPr/>
           <a:lstStyle/>
           <a:p>
-            <a:fld id="{BE1332DF-3077-5F4C-968E-6E65EDFFA26A}" type="slidenum">
+            <a:fld id="{FB6B24F7-0C75-624C-AE07-0580A785CBD8}" type="slidenum">
               <a:rPr lang="en-US"/>
               <a:pPr/>
-              <a:t>24</a:t>
+              <a:t>23</a:t>
             </a:fld>
             <a:endParaRPr lang="en-US"/>
           </a:p>
@@ -1925,7 +2035,7 @@
       </p:sp>
       <p:sp>
         <p:nvSpPr>
-          <p:cNvPr id="166914" name="Rectangle 2"/>
+          <p:cNvPr id="94210" name="Rectangle 2"/>
           <p:cNvSpPr>
             <a:spLocks noGrp="1" noRot="1" noChangeAspect="1" noChangeArrowheads="1" noTextEdit="1"/>
           </p:cNvSpPr>
@@ -1937,14 +2047,14 @@
           <a:ln/>
           <a:extLst>
             <a:ext uri="{FAA26D3D-D897-4be2-8F04-BA451C77F1D7}">
-              <ma14:placeholderFlag xmlns:ma14="http://schemas.microsoft.com/office/mac/drawingml/2011/main" val="1"/>
+              <ma14:placeholderFlag xmlns:ma14="http://schemas.microsoft.com/office/mac/drawingml/2011/main" xmlns="" val="1"/>
             </a:ext>
           </a:extLst>
         </p:spPr>
       </p:sp>
       <p:sp>
         <p:nvSpPr>
-          <p:cNvPr id="166915" name="Rectangle 3"/>
+          <p:cNvPr id="94211" name="Rectangle 3"/>
           <p:cNvSpPr>
             <a:spLocks noGrp="1" noChangeArrowheads="1"/>
           </p:cNvSpPr>
@@ -1988,21 +2098,54 @@
       </p:grpSpPr>
       <p:sp>
         <p:nvSpPr>
-          <p:cNvPr id="2" name="Slide Image Placeholder 1"/>
+          <p:cNvPr id="7" name="Rectangle 7"/>
           <p:cNvSpPr>
-            <a:spLocks noGrp="1" noRot="1" noChangeAspect="1"/>
+            <a:spLocks noGrp="1" noChangeArrowheads="1"/>
+          </p:cNvSpPr>
+          <p:nvPr>
+            <p:ph type="sldNum" sz="quarter" idx="5"/>
+          </p:nvPr>
+        </p:nvSpPr>
+        <p:spPr>
+          <a:ln/>
+        </p:spPr>
+        <p:txBody>
+          <a:bodyPr/>
+          <a:lstStyle/>
+          <a:p>
+            <a:fld id="{BE1332DF-3077-5F4C-968E-6E65EDFFA26A}" type="slidenum">
+              <a:rPr lang="en-US"/>
+              <a:pPr/>
+              <a:t>24</a:t>
+            </a:fld>
+            <a:endParaRPr lang="en-US"/>
+          </a:p>
+        </p:txBody>
+      </p:sp>
+      <p:sp>
+        <p:nvSpPr>
+          <p:cNvPr id="166914" name="Rectangle 2"/>
+          <p:cNvSpPr>
+            <a:spLocks noGrp="1" noRot="1" noChangeAspect="1" noChangeArrowheads="1" noTextEdit="1"/>
           </p:cNvSpPr>
           <p:nvPr>
             <p:ph type="sldImg"/>
           </p:nvPr>
         </p:nvSpPr>
-        <p:spPr/>
+        <p:spPr>
+          <a:ln/>
+          <a:extLst>
+            <a:ext uri="{FAA26D3D-D897-4be2-8F04-BA451C77F1D7}">
+              <ma14:placeholderFlag xmlns:ma14="http://schemas.microsoft.com/office/mac/drawingml/2011/main" xmlns="" val="1"/>
+            </a:ext>
+          </a:extLst>
+        </p:spPr>
       </p:sp>
       <p:sp>
         <p:nvSpPr>
-          <p:cNvPr id="3" name="Notes Placeholder 2"/>
+          <p:cNvPr id="166915" name="Rectangle 3"/>
           <p:cNvSpPr>
-            <a:spLocks noGrp="1"/>
+            <a:spLocks noGrp="1" noChangeArrowheads="1"/>
           </p:cNvSpPr>
           <p:nvPr>
             <p:ph type="body" idx="1"/>
@@ -2013,48 +2156,11 @@
           <a:bodyPr/>
           <a:lstStyle/>
           <a:p>
-            <a:r>
-              <a:rPr lang="en-US" dirty="0" smtClean="0"/>
-              <a:t>Don’t sign up for AWS support</a:t>
-            </a:r>
-          </a:p>
-          <a:p>
-            <a:endParaRPr lang="en-US" dirty="0" smtClean="0"/>
-          </a:p>
-          <a:p>
-            <a:endParaRPr lang="en-US" dirty="0"/>
-          </a:p>
-        </p:txBody>
-      </p:sp>
-      <p:sp>
-        <p:nvSpPr>
-          <p:cNvPr id="4" name="Slide Number Placeholder 3"/>
-          <p:cNvSpPr>
-            <a:spLocks noGrp="1"/>
-          </p:cNvSpPr>
-          <p:nvPr>
-            <p:ph type="sldNum" sz="quarter" idx="10"/>
-          </p:nvPr>
-        </p:nvSpPr>
-        <p:spPr/>
-        <p:txBody>
-          <a:bodyPr/>
-          <a:lstStyle/>
-          <a:p>
-            <a:fld id="{E316B419-4020-B44B-A7E2-FA01736E26BD}" type="slidenum">
-              <a:rPr lang="en-US" smtClean="0"/>
-              <a:t>27</a:t>
-            </a:fld>
             <a:endParaRPr lang="en-US"/>
           </a:p>
         </p:txBody>
       </p:sp>
     </p:spTree>
-    <p:extLst>
-      <p:ext uri="{BB962C8B-B14F-4D97-AF65-F5344CB8AC3E}">
-        <p14:creationId xmlns:p14="http://schemas.microsoft.com/office/powerpoint/2010/main" val="1680873144"/>
-      </p:ext>
-    </p:extLst>
   </p:cSld>
   <p:clrMapOvr>
     <a:masterClrMapping/>
@@ -2281,7 +2387,7 @@
           <a:p>
             <a:fld id="{FA37A94B-D047-EE43-9D82-D964B1826C82}" type="datetimeFigureOut">
               <a:rPr lang="en-US" smtClean="0"/>
-              <a:t>3/19/13</a:t>
+              <a:t>3/24/2013</a:t>
             </a:fld>
             <a:endParaRPr lang="en-US"/>
           </a:p>
@@ -2451,7 +2557,7 @@
           <a:p>
             <a:fld id="{FA37A94B-D047-EE43-9D82-D964B1826C82}" type="datetimeFigureOut">
               <a:rPr lang="en-US" smtClean="0"/>
-              <a:t>3/19/13</a:t>
+              <a:t>3/24/2013</a:t>
             </a:fld>
             <a:endParaRPr lang="en-US"/>
           </a:p>
@@ -2631,7 +2737,7 @@
           <a:p>
             <a:fld id="{FA37A94B-D047-EE43-9D82-D964B1826C82}" type="datetimeFigureOut">
               <a:rPr lang="en-US" smtClean="0"/>
-              <a:t>3/19/13</a:t>
+              <a:t>3/24/2013</a:t>
             </a:fld>
             <a:endParaRPr lang="en-US"/>
           </a:p>
@@ -2801,7 +2907,7 @@
           <a:p>
             <a:fld id="{FA37A94B-D047-EE43-9D82-D964B1826C82}" type="datetimeFigureOut">
               <a:rPr lang="en-US" smtClean="0"/>
-              <a:t>3/19/13</a:t>
+              <a:t>3/24/2013</a:t>
             </a:fld>
             <a:endParaRPr lang="en-US"/>
           </a:p>
@@ -3047,7 +3153,7 @@
           <a:p>
             <a:fld id="{FA37A94B-D047-EE43-9D82-D964B1826C82}" type="datetimeFigureOut">
               <a:rPr lang="en-US" smtClean="0"/>
-              <a:t>3/19/13</a:t>
+              <a:t>3/24/2013</a:t>
             </a:fld>
             <a:endParaRPr lang="en-US"/>
           </a:p>
@@ -3335,7 +3441,7 @@
           <a:p>
             <a:fld id="{FA37A94B-D047-EE43-9D82-D964B1826C82}" type="datetimeFigureOut">
               <a:rPr lang="en-US" smtClean="0"/>
-              <a:t>3/19/13</a:t>
+              <a:t>3/24/2013</a:t>
             </a:fld>
             <a:endParaRPr lang="en-US"/>
           </a:p>
@@ -3757,7 +3863,7 @@
           <a:p>
             <a:fld id="{FA37A94B-D047-EE43-9D82-D964B1826C82}" type="datetimeFigureOut">
               <a:rPr lang="en-US" smtClean="0"/>
-              <a:t>3/19/13</a:t>
+              <a:t>3/24/2013</a:t>
             </a:fld>
             <a:endParaRPr lang="en-US"/>
           </a:p>
@@ -3875,7 +3981,7 @@
           <a:p>
             <a:fld id="{FA37A94B-D047-EE43-9D82-D964B1826C82}" type="datetimeFigureOut">
               <a:rPr lang="en-US" smtClean="0"/>
-              <a:t>3/19/13</a:t>
+              <a:t>3/24/2013</a:t>
             </a:fld>
             <a:endParaRPr lang="en-US"/>
           </a:p>
@@ -3970,7 +4076,7 @@
           <a:p>
             <a:fld id="{FA37A94B-D047-EE43-9D82-D964B1826C82}" type="datetimeFigureOut">
               <a:rPr lang="en-US" smtClean="0"/>
-              <a:t>3/19/13</a:t>
+              <a:t>3/24/2013</a:t>
             </a:fld>
             <a:endParaRPr lang="en-US"/>
           </a:p>
@@ -4247,7 +4353,7 @@
           <a:p>
             <a:fld id="{FA37A94B-D047-EE43-9D82-D964B1826C82}" type="datetimeFigureOut">
               <a:rPr lang="en-US" smtClean="0"/>
-              <a:t>3/19/13</a:t>
+              <a:t>3/24/2013</a:t>
             </a:fld>
             <a:endParaRPr lang="en-US"/>
           </a:p>
@@ -4500,7 +4606,7 @@
           <a:p>
             <a:fld id="{FA37A94B-D047-EE43-9D82-D964B1826C82}" type="datetimeFigureOut">
               <a:rPr lang="en-US" smtClean="0"/>
-              <a:t>3/19/13</a:t>
+              <a:t>3/24/2013</a:t>
             </a:fld>
             <a:endParaRPr lang="en-US"/>
           </a:p>
@@ -4713,7 +4819,7 @@
           <a:p>
             <a:fld id="{FA37A94B-D047-EE43-9D82-D964B1826C82}" type="datetimeFigureOut">
               <a:rPr lang="en-US" smtClean="0"/>
-              <a:t>3/19/13</a:t>
+              <a:t>3/24/2013</a:t>
             </a:fld>
             <a:endParaRPr lang="en-US"/>
           </a:p>
@@ -5155,7 +5261,7 @@
   <p:timing>
     <p:tnLst>
       <p:par>
-        <p:cTn xmlns:p14="http://schemas.microsoft.com/office/powerpoint/2010/main" id="1" dur="indefinite" restart="never" nodeType="tmRoot"/>
+        <p:cTn id="1" dur="indefinite" restart="never" nodeType="tmRoot"/>
       </p:par>
     </p:tnLst>
   </p:timing>
@@ -5361,7 +5467,7 @@
                 <a:latin typeface="Georgia" charset="0"/>
               </a:rPr>
               <a:pPr eaLnBrk="1" hangingPunct="1"/>
-              <a:t>3/19/13</a:t>
+              <a:t>3/24/2013</a:t>
             </a:fld>
             <a:endParaRPr lang="en-US">
               <a:solidFill>
@@ -5643,7 +5749,7 @@
   <p:timing>
     <p:tnLst>
       <p:par>
-        <p:cTn xmlns:p14="http://schemas.microsoft.com/office/powerpoint/2010/main" id="1" dur="indefinite" restart="never" nodeType="tmRoot"/>
+        <p:cTn id="1" dur="indefinite" restart="never" nodeType="tmRoot"/>
       </p:par>
     </p:tnLst>
   </p:timing>
@@ -5840,7 +5946,7 @@
                 <a:latin typeface="Georgia" charset="0"/>
               </a:rPr>
               <a:pPr eaLnBrk="1" hangingPunct="1"/>
-              <a:t>3/19/13</a:t>
+              <a:t>3/24/2013</a:t>
             </a:fld>
             <a:endParaRPr lang="en-US">
               <a:solidFill>
@@ -6162,7 +6268,7 @@
   <p:timing>
     <p:tnLst>
       <p:par>
-        <p:cTn xmlns:p14="http://schemas.microsoft.com/office/powerpoint/2010/main" id="1" dur="indefinite" restart="never" nodeType="tmRoot"/>
+        <p:cTn id="1" dur="indefinite" restart="never" nodeType="tmRoot"/>
       </p:par>
     </p:tnLst>
   </p:timing>
@@ -6365,7 +6471,7 @@
                 <a:latin typeface="Georgia" charset="0"/>
               </a:rPr>
               <a:pPr eaLnBrk="1" hangingPunct="1"/>
-              <a:t>3/19/13</a:t>
+              <a:t>3/24/2013</a:t>
             </a:fld>
             <a:endParaRPr lang="en-US">
               <a:solidFill>
@@ -6677,7 +6783,7 @@
   <p:timing>
     <p:tnLst>
       <p:par>
-        <p:cTn xmlns:p14="http://schemas.microsoft.com/office/powerpoint/2010/main" id="1" dur="indefinite" restart="never" nodeType="tmRoot"/>
+        <p:cTn id="1" dur="indefinite" restart="never" nodeType="tmRoot"/>
       </p:par>
     </p:tnLst>
   </p:timing>
@@ -6820,7 +6926,7 @@
   <p:timing>
     <p:tnLst>
       <p:par>
-        <p:cTn xmlns:p14="http://schemas.microsoft.com/office/powerpoint/2010/main" id="1" dur="indefinite" restart="never" nodeType="tmRoot"/>
+        <p:cTn id="1" dur="indefinite" restart="never" nodeType="tmRoot"/>
       </p:par>
     </p:tnLst>
   </p:timing>
@@ -7266,7 +7372,7 @@
   <p:timing>
     <p:tnLst>
       <p:par>
-        <p:cTn xmlns:p14="http://schemas.microsoft.com/office/powerpoint/2010/main" id="1" dur="indefinite" restart="never" nodeType="tmRoot"/>
+        <p:cTn id="1" dur="indefinite" restart="never" nodeType="tmRoot"/>
       </p:par>
     </p:tnLst>
   </p:timing>
@@ -8878,7 +8984,7 @@
   <p:timing>
     <p:tnLst>
       <p:par>
-        <p:cTn xmlns:p14="http://schemas.microsoft.com/office/powerpoint/2010/main" id="1" dur="indefinite" restart="never" nodeType="tmRoot"/>
+        <p:cTn id="1" dur="indefinite" restart="never" nodeType="tmRoot"/>
       </p:par>
     </p:tnLst>
   </p:timing>
@@ -9065,7 +9171,7 @@
   <p:timing>
     <p:tnLst>
       <p:par>
-        <p:cTn xmlns:p14="http://schemas.microsoft.com/office/powerpoint/2010/main" id="1" dur="indefinite" restart="never" nodeType="tmRoot"/>
+        <p:cTn id="1" dur="indefinite" restart="never" nodeType="tmRoot"/>
       </p:par>
     </p:tnLst>
   </p:timing>
@@ -9193,7 +9299,7 @@
   <p:timing>
     <p:tnLst>
       <p:par>
-        <p:cTn xmlns:p14="http://schemas.microsoft.com/office/powerpoint/2010/main" id="1" dur="indefinite" restart="never" nodeType="tmRoot"/>
+        <p:cTn id="1" dur="indefinite" restart="never" nodeType="tmRoot"/>
       </p:par>
     </p:tnLst>
   </p:timing>
@@ -9264,14 +9370,14 @@
             <a:noFill/>
           </a:ln>
           <a:extLst>
-            <a:ext uri="{909E8E84-426E-40dd-AFC4-6F175D3DCCD1}">
+            <a:ext uri="{909E8E84-426E-40DD-AFC4-6F175D3DCCD1}">
               <a14:hiddenFill xmlns:a14="http://schemas.microsoft.com/office/drawing/2010/main">
                 <a:solidFill>
                   <a:srgbClr val="FFFFFF"/>
                 </a:solidFill>
               </a14:hiddenFill>
             </a:ext>
-            <a:ext uri="{91240B29-F687-4f45-9708-019B960494DF}">
+            <a:ext uri="{91240B29-F687-4F45-9708-019B960494DF}">
               <a14:hiddenLine xmlns:a14="http://schemas.microsoft.com/office/drawing/2010/main" w="9525">
                 <a:solidFill>
                   <a:srgbClr val="000000"/>
@@ -9458,7 +9564,7 @@
   <p:timing>
     <p:tnLst>
       <p:par>
-        <p:cTn xmlns:p14="http://schemas.microsoft.com/office/powerpoint/2010/main" id="1" dur="indefinite" restart="never" nodeType="tmRoot"/>
+        <p:cTn id="1" dur="indefinite" restart="never" nodeType="tmRoot"/>
       </p:par>
     </p:tnLst>
   </p:timing>
@@ -9621,7 +9727,7 @@
               <a:tailEnd type="triangle" w="lg" len="med"/>
             </a:ln>
             <a:extLst>
-              <a:ext uri="{909E8E84-426E-40dd-AFC4-6F175D3DCCD1}">
+              <a:ext uri="{909E8E84-426E-40DD-AFC4-6F175D3DCCD1}">
                 <a14:hiddenFill xmlns:a14="http://schemas.microsoft.com/office/drawing/2010/main">
                   <a:noFill/>
                 </a14:hiddenFill>
@@ -9650,14 +9756,14 @@
               <a:noFill/>
             </a:ln>
             <a:extLst>
-              <a:ext uri="{909E8E84-426E-40dd-AFC4-6F175D3DCCD1}">
+              <a:ext uri="{909E8E84-426E-40DD-AFC4-6F175D3DCCD1}">
                 <a14:hiddenFill xmlns:a14="http://schemas.microsoft.com/office/drawing/2010/main">
                   <a:solidFill>
                     <a:srgbClr val="FFFFFF"/>
                   </a:solidFill>
                 </a14:hiddenFill>
               </a:ext>
-              <a:ext uri="{91240B29-F687-4f45-9708-019B960494DF}">
+              <a:ext uri="{91240B29-F687-4F45-9708-019B960494DF}">
                 <a14:hiddenLine xmlns:a14="http://schemas.microsoft.com/office/drawing/2010/main" w="9525">
                   <a:solidFill>
                     <a:srgbClr val="000000"/>
@@ -9834,14 +9940,14 @@
               <a:noFill/>
             </a:ln>
             <a:extLst>
-              <a:ext uri="{909E8E84-426E-40dd-AFC4-6F175D3DCCD1}">
+              <a:ext uri="{909E8E84-426E-40DD-AFC4-6F175D3DCCD1}">
                 <a14:hiddenFill xmlns:a14="http://schemas.microsoft.com/office/drawing/2010/main">
                   <a:solidFill>
                     <a:srgbClr val="FFFFFF"/>
                   </a:solidFill>
                 </a14:hiddenFill>
               </a:ext>
-              <a:ext uri="{91240B29-F687-4f45-9708-019B960494DF}">
+              <a:ext uri="{91240B29-F687-4F45-9708-019B960494DF}">
                 <a14:hiddenLine xmlns:a14="http://schemas.microsoft.com/office/drawing/2010/main" w="9525">
                   <a:solidFill>
                     <a:srgbClr val="000000"/>
@@ -10022,14 +10128,14 @@
               <a:noFill/>
             </a:ln>
             <a:extLst>
-              <a:ext uri="{909E8E84-426E-40dd-AFC4-6F175D3DCCD1}">
+              <a:ext uri="{909E8E84-426E-40DD-AFC4-6F175D3DCCD1}">
                 <a14:hiddenFill xmlns:a14="http://schemas.microsoft.com/office/drawing/2010/main">
                   <a:solidFill>
                     <a:srgbClr val="FFFFFF"/>
                   </a:solidFill>
                 </a14:hiddenFill>
               </a:ext>
-              <a:ext uri="{91240B29-F687-4f45-9708-019B960494DF}">
+              <a:ext uri="{91240B29-F687-4F45-9708-019B960494DF}">
                 <a14:hiddenLine xmlns:a14="http://schemas.microsoft.com/office/drawing/2010/main" w="9525">
                   <a:solidFill>
                     <a:srgbClr val="000000"/>
@@ -10381,7 +10487,7 @@
               <a:tailEnd type="triangle" w="lg" len="med"/>
             </a:ln>
             <a:extLst>
-              <a:ext uri="{909E8E84-426E-40dd-AFC4-6F175D3DCCD1}">
+              <a:ext uri="{909E8E84-426E-40DD-AFC4-6F175D3DCCD1}">
                 <a14:hiddenFill xmlns:a14="http://schemas.microsoft.com/office/drawing/2010/main">
                   <a:noFill/>
                 </a14:hiddenFill>
@@ -10600,7 +10706,7 @@
               <a:tailEnd type="triangle" w="lg" len="med"/>
             </a:ln>
             <a:extLst>
-              <a:ext uri="{909E8E84-426E-40dd-AFC4-6F175D3DCCD1}">
+              <a:ext uri="{909E8E84-426E-40DD-AFC4-6F175D3DCCD1}">
                 <a14:hiddenFill xmlns:a14="http://schemas.microsoft.com/office/drawing/2010/main">
                   <a:noFill/>
                 </a14:hiddenFill>
@@ -10757,7 +10863,7 @@
               <a:tailEnd type="triangle" w="lg" len="med"/>
             </a:ln>
             <a:extLst>
-              <a:ext uri="{909E8E84-426E-40dd-AFC4-6F175D3DCCD1}">
+              <a:ext uri="{909E8E84-426E-40DD-AFC4-6F175D3DCCD1}">
                 <a14:hiddenFill xmlns:a14="http://schemas.microsoft.com/office/drawing/2010/main">
                   <a:noFill/>
                 </a14:hiddenFill>
@@ -10792,7 +10898,7 @@
               <a:tailEnd type="triangle" w="lg" len="med"/>
             </a:ln>
             <a:extLst>
-              <a:ext uri="{909E8E84-426E-40dd-AFC4-6F175D3DCCD1}">
+              <a:ext uri="{909E8E84-426E-40DD-AFC4-6F175D3DCCD1}">
                 <a14:hiddenFill xmlns:a14="http://schemas.microsoft.com/office/drawing/2010/main">
                   <a:noFill/>
                 </a14:hiddenFill>
@@ -10827,7 +10933,7 @@
               <a:tailEnd type="triangle" w="lg" len="med"/>
             </a:ln>
             <a:extLst>
-              <a:ext uri="{909E8E84-426E-40dd-AFC4-6F175D3DCCD1}">
+              <a:ext uri="{909E8E84-426E-40DD-AFC4-6F175D3DCCD1}">
                 <a14:hiddenFill xmlns:a14="http://schemas.microsoft.com/office/drawing/2010/main">
                   <a:noFill/>
                 </a14:hiddenFill>
@@ -10863,7 +10969,7 @@
               <a:tailEnd type="triangle" w="lg" len="med"/>
             </a:ln>
             <a:extLst>
-              <a:ext uri="{909E8E84-426E-40dd-AFC4-6F175D3DCCD1}">
+              <a:ext uri="{909E8E84-426E-40DD-AFC4-6F175D3DCCD1}">
                 <a14:hiddenFill xmlns:a14="http://schemas.microsoft.com/office/drawing/2010/main">
                   <a:noFill/>
                 </a14:hiddenFill>
@@ -10899,7 +11005,7 @@
               <a:tailEnd type="triangle" w="lg" len="med"/>
             </a:ln>
             <a:extLst>
-              <a:ext uri="{909E8E84-426E-40dd-AFC4-6F175D3DCCD1}">
+              <a:ext uri="{909E8E84-426E-40DD-AFC4-6F175D3DCCD1}">
                 <a14:hiddenFill xmlns:a14="http://schemas.microsoft.com/office/drawing/2010/main">
                   <a:noFill/>
                 </a14:hiddenFill>
@@ -10934,7 +11040,7 @@
               <a:tailEnd type="triangle" w="lg" len="med"/>
             </a:ln>
             <a:extLst>
-              <a:ext uri="{909E8E84-426E-40dd-AFC4-6F175D3DCCD1}">
+              <a:ext uri="{909E8E84-426E-40DD-AFC4-6F175D3DCCD1}">
                 <a14:hiddenFill xmlns:a14="http://schemas.microsoft.com/office/drawing/2010/main">
                   <a:noFill/>
                 </a14:hiddenFill>
@@ -10970,7 +11076,7 @@
               <a:tailEnd type="triangle" w="lg" len="med"/>
             </a:ln>
             <a:extLst>
-              <a:ext uri="{909E8E84-426E-40dd-AFC4-6F175D3DCCD1}">
+              <a:ext uri="{909E8E84-426E-40DD-AFC4-6F175D3DCCD1}">
                 <a14:hiddenFill xmlns:a14="http://schemas.microsoft.com/office/drawing/2010/main">
                   <a:noFill/>
                 </a14:hiddenFill>
@@ -11006,7 +11112,7 @@
               <a:tailEnd type="triangle" w="lg" len="med"/>
             </a:ln>
             <a:extLst>
-              <a:ext uri="{909E8E84-426E-40dd-AFC4-6F175D3DCCD1}">
+              <a:ext uri="{909E8E84-426E-40DD-AFC4-6F175D3DCCD1}">
                 <a14:hiddenFill xmlns:a14="http://schemas.microsoft.com/office/drawing/2010/main">
                   <a:noFill/>
                 </a14:hiddenFill>
@@ -11104,14 +11210,14 @@
               <a:noFill/>
             </a:ln>
             <a:extLst>
-              <a:ext uri="{909E8E84-426E-40dd-AFC4-6F175D3DCCD1}">
+              <a:ext uri="{909E8E84-426E-40DD-AFC4-6F175D3DCCD1}">
                 <a14:hiddenFill xmlns:a14="http://schemas.microsoft.com/office/drawing/2010/main">
                   <a:solidFill>
                     <a:srgbClr val="FFFFFF"/>
                   </a:solidFill>
                 </a14:hiddenFill>
               </a:ext>
-              <a:ext uri="{91240B29-F687-4f45-9708-019B960494DF}">
+              <a:ext uri="{91240B29-F687-4F45-9708-019B960494DF}">
                 <a14:hiddenLine xmlns:a14="http://schemas.microsoft.com/office/drawing/2010/main" w="9525">
                   <a:solidFill>
                     <a:srgbClr val="000000"/>
@@ -11333,14 +11439,14 @@
               <a:noFill/>
             </a:ln>
             <a:extLst>
-              <a:ext uri="{909E8E84-426E-40dd-AFC4-6F175D3DCCD1}">
+              <a:ext uri="{909E8E84-426E-40DD-AFC4-6F175D3DCCD1}">
                 <a14:hiddenFill xmlns:a14="http://schemas.microsoft.com/office/drawing/2010/main">
                   <a:solidFill>
                     <a:srgbClr val="FFFFFF"/>
                   </a:solidFill>
                 </a14:hiddenFill>
               </a:ext>
-              <a:ext uri="{91240B29-F687-4f45-9708-019B960494DF}">
+              <a:ext uri="{91240B29-F687-4F45-9708-019B960494DF}">
                 <a14:hiddenLine xmlns:a14="http://schemas.microsoft.com/office/drawing/2010/main" w="9525">
                   <a:solidFill>
                     <a:srgbClr val="000000"/>
@@ -11659,14 +11765,14 @@
               <a:noFill/>
             </a:ln>
             <a:extLst>
-              <a:ext uri="{909E8E84-426E-40dd-AFC4-6F175D3DCCD1}">
+              <a:ext uri="{909E8E84-426E-40DD-AFC4-6F175D3DCCD1}">
                 <a14:hiddenFill xmlns:a14="http://schemas.microsoft.com/office/drawing/2010/main">
                   <a:solidFill>
                     <a:srgbClr val="FFFFFF"/>
                   </a:solidFill>
                 </a14:hiddenFill>
               </a:ext>
-              <a:ext uri="{91240B29-F687-4f45-9708-019B960494DF}">
+              <a:ext uri="{91240B29-F687-4F45-9708-019B960494DF}">
                 <a14:hiddenLine xmlns:a14="http://schemas.microsoft.com/office/drawing/2010/main" w="9525">
                   <a:solidFill>
                     <a:srgbClr val="000000"/>
@@ -11846,14 +11952,14 @@
               <a:noFill/>
             </a:ln>
             <a:extLst>
-              <a:ext uri="{909E8E84-426E-40dd-AFC4-6F175D3DCCD1}">
+              <a:ext uri="{909E8E84-426E-40DD-AFC4-6F175D3DCCD1}">
                 <a14:hiddenFill xmlns:a14="http://schemas.microsoft.com/office/drawing/2010/main">
                   <a:solidFill>
                     <a:srgbClr val="FFFFFF"/>
                   </a:solidFill>
                 </a14:hiddenFill>
               </a:ext>
-              <a:ext uri="{91240B29-F687-4f45-9708-019B960494DF}">
+              <a:ext uri="{91240B29-F687-4F45-9708-019B960494DF}">
                 <a14:hiddenLine xmlns:a14="http://schemas.microsoft.com/office/drawing/2010/main" w="9525">
                   <a:solidFill>
                     <a:srgbClr val="000000"/>
@@ -12011,14 +12117,14 @@
               <a:noFill/>
             </a:ln>
             <a:extLst>
-              <a:ext uri="{909E8E84-426E-40dd-AFC4-6F175D3DCCD1}">
+              <a:ext uri="{909E8E84-426E-40DD-AFC4-6F175D3DCCD1}">
                 <a14:hiddenFill xmlns:a14="http://schemas.microsoft.com/office/drawing/2010/main">
                   <a:solidFill>
                     <a:srgbClr val="FFFFFF"/>
                   </a:solidFill>
                 </a14:hiddenFill>
               </a:ext>
-              <a:ext uri="{91240B29-F687-4f45-9708-019B960494DF}">
+              <a:ext uri="{91240B29-F687-4F45-9708-019B960494DF}">
                 <a14:hiddenLine xmlns:a14="http://schemas.microsoft.com/office/drawing/2010/main" w="9525">
                   <a:solidFill>
                     <a:srgbClr val="000000"/>
@@ -12198,14 +12304,14 @@
               <a:noFill/>
             </a:ln>
             <a:extLst>
-              <a:ext uri="{909E8E84-426E-40dd-AFC4-6F175D3DCCD1}">
+              <a:ext uri="{909E8E84-426E-40DD-AFC4-6F175D3DCCD1}">
                 <a14:hiddenFill xmlns:a14="http://schemas.microsoft.com/office/drawing/2010/main">
                   <a:solidFill>
                     <a:srgbClr val="FFFFFF"/>
                   </a:solidFill>
                 </a14:hiddenFill>
               </a:ext>
-              <a:ext uri="{91240B29-F687-4f45-9708-019B960494DF}">
+              <a:ext uri="{91240B29-F687-4F45-9708-019B960494DF}">
                 <a14:hiddenLine xmlns:a14="http://schemas.microsoft.com/office/drawing/2010/main" w="9525">
                   <a:solidFill>
                     <a:srgbClr val="000000"/>
@@ -12385,14 +12491,14 @@
               <a:noFill/>
             </a:ln>
             <a:extLst>
-              <a:ext uri="{909E8E84-426E-40dd-AFC4-6F175D3DCCD1}">
+              <a:ext uri="{909E8E84-426E-40DD-AFC4-6F175D3DCCD1}">
                 <a14:hiddenFill xmlns:a14="http://schemas.microsoft.com/office/drawing/2010/main">
                   <a:solidFill>
                     <a:srgbClr val="FFFFFF"/>
                   </a:solidFill>
                 </a14:hiddenFill>
               </a:ext>
-              <a:ext uri="{91240B29-F687-4f45-9708-019B960494DF}">
+              <a:ext uri="{91240B29-F687-4F45-9708-019B960494DF}">
                 <a14:hiddenLine xmlns:a14="http://schemas.microsoft.com/office/drawing/2010/main" w="9525">
                   <a:solidFill>
                     <a:srgbClr val="000000"/>
@@ -12561,14 +12667,14 @@
               <a:noFill/>
             </a:ln>
             <a:extLst>
-              <a:ext uri="{909E8E84-426E-40dd-AFC4-6F175D3DCCD1}">
+              <a:ext uri="{909E8E84-426E-40DD-AFC4-6F175D3DCCD1}">
                 <a14:hiddenFill xmlns:a14="http://schemas.microsoft.com/office/drawing/2010/main">
                   <a:solidFill>
                     <a:srgbClr val="FFFFFF"/>
                   </a:solidFill>
                 </a14:hiddenFill>
               </a:ext>
-              <a:ext uri="{91240B29-F687-4f45-9708-019B960494DF}">
+              <a:ext uri="{91240B29-F687-4F45-9708-019B960494DF}">
                 <a14:hiddenLine xmlns:a14="http://schemas.microsoft.com/office/drawing/2010/main" w="9525">
                   <a:solidFill>
                     <a:srgbClr val="000000"/>
@@ -12727,14 +12833,14 @@
             <a:noFill/>
           </a:ln>
           <a:extLst>
-            <a:ext uri="{909E8E84-426E-40dd-AFC4-6F175D3DCCD1}">
+            <a:ext uri="{909E8E84-426E-40DD-AFC4-6F175D3DCCD1}">
               <a14:hiddenFill xmlns:a14="http://schemas.microsoft.com/office/drawing/2010/main">
                 <a:solidFill>
                   <a:srgbClr val="FFFFFF"/>
                 </a:solidFill>
               </a14:hiddenFill>
             </a:ext>
-            <a:ext uri="{91240B29-F687-4f45-9708-019B960494DF}">
+            <a:ext uri="{91240B29-F687-4F45-9708-019B960494DF}">
               <a14:hiddenLine xmlns:a14="http://schemas.microsoft.com/office/drawing/2010/main" w="9525">
                 <a:solidFill>
                   <a:srgbClr val="000000"/>
@@ -12892,14 +12998,14 @@
             <a:noFill/>
           </a:ln>
           <a:extLst>
-            <a:ext uri="{909E8E84-426E-40dd-AFC4-6F175D3DCCD1}">
+            <a:ext uri="{909E8E84-426E-40DD-AFC4-6F175D3DCCD1}">
               <a14:hiddenFill xmlns:a14="http://schemas.microsoft.com/office/drawing/2010/main">
                 <a:solidFill>
                   <a:srgbClr val="FFFFFF"/>
                 </a:solidFill>
               </a14:hiddenFill>
             </a:ext>
-            <a:ext uri="{91240B29-F687-4f45-9708-019B960494DF}">
+            <a:ext uri="{91240B29-F687-4F45-9708-019B960494DF}">
               <a14:hiddenLine xmlns:a14="http://schemas.microsoft.com/office/drawing/2010/main" w="9525">
                 <a:solidFill>
                   <a:srgbClr val="000000"/>
@@ -13057,14 +13163,14 @@
             <a:noFill/>
           </a:ln>
           <a:extLst>
-            <a:ext uri="{909E8E84-426E-40dd-AFC4-6F175D3DCCD1}">
+            <a:ext uri="{909E8E84-426E-40DD-AFC4-6F175D3DCCD1}">
               <a14:hiddenFill xmlns:a14="http://schemas.microsoft.com/office/drawing/2010/main">
                 <a:solidFill>
                   <a:srgbClr val="FFFFFF"/>
                 </a:solidFill>
               </a14:hiddenFill>
             </a:ext>
-            <a:ext uri="{91240B29-F687-4f45-9708-019B960494DF}">
+            <a:ext uri="{91240B29-F687-4F45-9708-019B960494DF}">
               <a14:hiddenLine xmlns:a14="http://schemas.microsoft.com/office/drawing/2010/main" w="9525">
                 <a:solidFill>
                   <a:srgbClr val="000000"/>
@@ -13222,14 +13328,14 @@
             <a:noFill/>
           </a:ln>
           <a:extLst>
-            <a:ext uri="{909E8E84-426E-40dd-AFC4-6F175D3DCCD1}">
+            <a:ext uri="{909E8E84-426E-40DD-AFC4-6F175D3DCCD1}">
               <a14:hiddenFill xmlns:a14="http://schemas.microsoft.com/office/drawing/2010/main">
                 <a:solidFill>
                   <a:srgbClr val="FFFFFF"/>
                 </a:solidFill>
               </a14:hiddenFill>
             </a:ext>
-            <a:ext uri="{91240B29-F687-4f45-9708-019B960494DF}">
+            <a:ext uri="{91240B29-F687-4F45-9708-019B960494DF}">
               <a14:hiddenLine xmlns:a14="http://schemas.microsoft.com/office/drawing/2010/main" w="9525">
                 <a:solidFill>
                   <a:srgbClr val="000000"/>
@@ -13387,14 +13493,14 @@
             <a:noFill/>
           </a:ln>
           <a:extLst>
-            <a:ext uri="{909E8E84-426E-40dd-AFC4-6F175D3DCCD1}">
+            <a:ext uri="{909E8E84-426E-40DD-AFC4-6F175D3DCCD1}">
               <a14:hiddenFill xmlns:a14="http://schemas.microsoft.com/office/drawing/2010/main">
                 <a:solidFill>
                   <a:srgbClr val="FFFFFF"/>
                 </a:solidFill>
               </a14:hiddenFill>
             </a:ext>
-            <a:ext uri="{91240B29-F687-4f45-9708-019B960494DF}">
+            <a:ext uri="{91240B29-F687-4F45-9708-019B960494DF}">
               <a14:hiddenLine xmlns:a14="http://schemas.microsoft.com/office/drawing/2010/main" w="9525">
                 <a:solidFill>
                   <a:srgbClr val="000000"/>
@@ -13544,7 +13650,7 @@
   <p:timing>
     <p:tnLst>
       <p:par>
-        <p:cTn xmlns:p14="http://schemas.microsoft.com/office/powerpoint/2010/main" id="1" dur="indefinite" restart="never" nodeType="tmRoot"/>
+        <p:cTn id="1" dur="indefinite" restart="never" nodeType="tmRoot"/>
       </p:par>
     </p:tnLst>
   </p:timing>
@@ -13625,7 +13731,7 @@
           </a:prstGeom>
           <a:noFill/>
           <a:extLst>
-            <a:ext uri="{909E8E84-426E-40dd-AFC4-6F175D3DCCD1}">
+            <a:ext uri="{909E8E84-426E-40DD-AFC4-6F175D3DCCD1}">
               <a14:hiddenFill xmlns:a14="http://schemas.microsoft.com/office/drawing/2010/main">
                 <a:solidFill>
                   <a:srgbClr val="FFFFFF"/>
@@ -13648,7 +13754,7 @@
   <p:timing>
     <p:tnLst>
       <p:par>
-        <p:cTn xmlns:p14="http://schemas.microsoft.com/office/powerpoint/2010/main" id="1" dur="indefinite" restart="never" nodeType="tmRoot"/>
+        <p:cTn id="1" dur="indefinite" restart="never" nodeType="tmRoot"/>
       </p:par>
     </p:tnLst>
   </p:timing>
@@ -13725,7 +13831,7 @@
           </a:prstGeom>
           <a:noFill/>
           <a:extLst>
-            <a:ext uri="{909E8E84-426E-40dd-AFC4-6F175D3DCCD1}">
+            <a:ext uri="{909E8E84-426E-40DD-AFC4-6F175D3DCCD1}">
               <a14:hiddenFill xmlns:a14="http://schemas.microsoft.com/office/drawing/2010/main">
                 <a:solidFill>
                   <a:srgbClr val="FFFFFF"/>
@@ -13748,7 +13854,7 @@
   <p:timing>
     <p:tnLst>
       <p:par>
-        <p:cTn xmlns:p14="http://schemas.microsoft.com/office/powerpoint/2010/main" id="1" dur="indefinite" restart="never" nodeType="tmRoot"/>
+        <p:cTn id="1" dur="indefinite" restart="never" nodeType="tmRoot"/>
       </p:par>
     </p:tnLst>
   </p:timing>
@@ -13863,7 +13969,7 @@
   <p:timing>
     <p:tnLst>
       <p:par>
-        <p:cTn xmlns:p14="http://schemas.microsoft.com/office/powerpoint/2010/main" id="1" dur="indefinite" restart="never" nodeType="tmRoot"/>
+        <p:cTn id="1" dur="indefinite" restart="never" nodeType="tmRoot"/>
       </p:par>
     </p:tnLst>
   </p:timing>
@@ -13946,7 +14052,7 @@
   <p:timing>
     <p:tnLst>
       <p:par>
-        <p:cTn xmlns:p14="http://schemas.microsoft.com/office/powerpoint/2010/main" id="1" dur="indefinite" restart="never" nodeType="tmRoot"/>
+        <p:cTn id="1" dur="indefinite" restart="never" nodeType="tmRoot"/>
       </p:par>
     </p:tnLst>
   </p:timing>
@@ -14070,7 +14176,7 @@
   <p:timing>
     <p:tnLst>
       <p:par>
-        <p:cTn xmlns:p14="http://schemas.microsoft.com/office/powerpoint/2010/main" id="1" dur="indefinite" restart="never" nodeType="tmRoot"/>
+        <p:cTn id="1" dur="indefinite" restart="never" nodeType="tmRoot"/>
       </p:par>
     </p:tnLst>
   </p:timing>
@@ -14283,7 +14389,7 @@
   <p:timing>
     <p:tnLst>
       <p:par>
-        <p:cTn xmlns:p14="http://schemas.microsoft.com/office/powerpoint/2010/main" id="1" dur="indefinite" restart="never" nodeType="tmRoot"/>
+        <p:cTn id="1" dur="indefinite" restart="never" nodeType="tmRoot"/>
       </p:par>
     </p:tnLst>
   </p:timing>
@@ -14424,7 +14530,7 @@
   <p:timing>
     <p:tnLst>
       <p:par>
-        <p:cTn xmlns:p14="http://schemas.microsoft.com/office/powerpoint/2010/main" id="1" dur="indefinite" restart="never" nodeType="tmRoot"/>
+        <p:cTn id="1" dur="indefinite" restart="never" nodeType="tmRoot"/>
       </p:par>
     </p:tnLst>
   </p:timing>
@@ -14611,7 +14717,7 @@
   <p:timing>
     <p:tnLst>
       <p:par>
-        <p:cTn xmlns:p14="http://schemas.microsoft.com/office/powerpoint/2010/main" id="1" dur="indefinite" restart="never" nodeType="tmRoot"/>
+        <p:cTn id="1" dur="indefinite" restart="never" nodeType="tmRoot"/>
       </p:par>
     </p:tnLst>
   </p:timing>
@@ -14856,7 +14962,7 @@
   <p:timing>
     <p:tnLst>
       <p:par>
-        <p:cTn xmlns:p14="http://schemas.microsoft.com/office/powerpoint/2010/main" id="1" dur="indefinite" restart="never" nodeType="tmRoot"/>
+        <p:cTn id="1" dur="indefinite" restart="never" nodeType="tmRoot"/>
       </p:par>
     </p:tnLst>
   </p:timing>
@@ -15323,7 +15429,7 @@
   <p:timing>
     <p:tnLst>
       <p:par>
-        <p:cTn xmlns:p14="http://schemas.microsoft.com/office/powerpoint/2010/main" id="1" dur="indefinite" restart="never" nodeType="tmRoot"/>
+        <p:cTn id="1" dur="indefinite" restart="never" nodeType="tmRoot"/>
       </p:par>
     </p:tnLst>
   </p:timing>
@@ -15578,7 +15684,7 @@
   <p:timing>
     <p:tnLst>
       <p:par>
-        <p:cTn xmlns:p14="http://schemas.microsoft.com/office/powerpoint/2010/main" id="1" dur="indefinite" restart="never" nodeType="tmRoot"/>
+        <p:cTn id="1" dur="indefinite" restart="never" nodeType="tmRoot"/>
       </p:par>
     </p:tnLst>
   </p:timing>
@@ -16446,7 +16552,7 @@
   <p:timing>
     <p:tnLst>
       <p:par>
-        <p:cTn xmlns:p14="http://schemas.microsoft.com/office/powerpoint/2010/main" id="1" dur="indefinite" restart="never" nodeType="tmRoot"/>
+        <p:cTn id="1" dur="indefinite" restart="never" nodeType="tmRoot"/>
       </p:par>
     </p:tnLst>
   </p:timing>
@@ -16573,7 +16679,7 @@
   <p:timing>
     <p:tnLst>
       <p:par>
-        <p:cTn xmlns:p14="http://schemas.microsoft.com/office/powerpoint/2010/main" id="1" dur="indefinite" restart="never" nodeType="tmRoot"/>
+        <p:cTn id="1" dur="indefinite" restart="never" nodeType="tmRoot"/>
       </p:par>
     </p:tnLst>
   </p:timing>
@@ -16961,7 +17067,7 @@
                 <a:latin typeface="Georgia" charset="0"/>
               </a:rPr>
               <a:pPr eaLnBrk="1" hangingPunct="1"/>
-              <a:t>3/19/13</a:t>
+              <a:t>3/24/2013</a:t>
             </a:fld>
             <a:endParaRPr lang="en-US">
               <a:solidFill>
@@ -17208,14 +17314,14 @@
             <a:noFill/>
           </a:ln>
           <a:extLst>
-            <a:ext uri="{909E8E84-426E-40dd-AFC4-6F175D3DCCD1}">
+            <a:ext uri="{909E8E84-426E-40DD-AFC4-6F175D3DCCD1}">
               <a14:hiddenFill xmlns:a14="http://schemas.microsoft.com/office/drawing/2010/main">
                 <a:solidFill>
                   <a:srgbClr val="FFFFFF"/>
                 </a:solidFill>
               </a14:hiddenFill>
             </a:ext>
-            <a:ext uri="{91240B29-F687-4f45-9708-019B960494DF}">
+            <a:ext uri="{91240B29-F687-4F45-9708-019B960494DF}">
               <a14:hiddenLine xmlns:a14="http://schemas.microsoft.com/office/drawing/2010/main" w="9525">
                 <a:solidFill>
                   <a:srgbClr val="000000"/>
@@ -17278,14 +17384,14 @@
               <a:noFill/>
             </a:ln>
             <a:extLst>
-              <a:ext uri="{909E8E84-426E-40dd-AFC4-6F175D3DCCD1}">
+              <a:ext uri="{909E8E84-426E-40DD-AFC4-6F175D3DCCD1}">
                 <a14:hiddenFill xmlns:a14="http://schemas.microsoft.com/office/drawing/2010/main">
                   <a:solidFill>
                     <a:srgbClr val="FFFFFF"/>
                   </a:solidFill>
                 </a14:hiddenFill>
               </a:ext>
-              <a:ext uri="{91240B29-F687-4f45-9708-019B960494DF}">
+              <a:ext uri="{91240B29-F687-4F45-9708-019B960494DF}">
                 <a14:hiddenLine xmlns:a14="http://schemas.microsoft.com/office/drawing/2010/main" w="9525">
                   <a:solidFill>
                     <a:srgbClr val="000000"/>
@@ -17415,14 +17521,14 @@
               <a:noFill/>
             </a:ln>
             <a:extLst>
-              <a:ext uri="{909E8E84-426E-40dd-AFC4-6F175D3DCCD1}">
+              <a:ext uri="{909E8E84-426E-40DD-AFC4-6F175D3DCCD1}">
                 <a14:hiddenFill xmlns:a14="http://schemas.microsoft.com/office/drawing/2010/main">
                   <a:solidFill>
                     <a:srgbClr val="FFFFFF"/>
                   </a:solidFill>
                 </a14:hiddenFill>
               </a:ext>
-              <a:ext uri="{91240B29-F687-4f45-9708-019B960494DF}">
+              <a:ext uri="{91240B29-F687-4F45-9708-019B960494DF}">
                 <a14:hiddenLine xmlns:a14="http://schemas.microsoft.com/office/drawing/2010/main" w="9525">
                   <a:solidFill>
                     <a:srgbClr val="000000"/>
@@ -17552,14 +17658,14 @@
               <a:noFill/>
             </a:ln>
             <a:extLst>
-              <a:ext uri="{909E8E84-426E-40dd-AFC4-6F175D3DCCD1}">
+              <a:ext uri="{909E8E84-426E-40DD-AFC4-6F175D3DCCD1}">
                 <a14:hiddenFill xmlns:a14="http://schemas.microsoft.com/office/drawing/2010/main">
                   <a:solidFill>
                     <a:srgbClr val="FFFFFF"/>
                   </a:solidFill>
                 </a14:hiddenFill>
               </a:ext>
-              <a:ext uri="{91240B29-F687-4f45-9708-019B960494DF}">
+              <a:ext uri="{91240B29-F687-4F45-9708-019B960494DF}">
                 <a14:hiddenLine xmlns:a14="http://schemas.microsoft.com/office/drawing/2010/main" w="9525">
                   <a:solidFill>
                     <a:srgbClr val="000000"/>
@@ -17689,14 +17795,14 @@
               <a:noFill/>
             </a:ln>
             <a:extLst>
-              <a:ext uri="{909E8E84-426E-40dd-AFC4-6F175D3DCCD1}">
+              <a:ext uri="{909E8E84-426E-40DD-AFC4-6F175D3DCCD1}">
                 <a14:hiddenFill xmlns:a14="http://schemas.microsoft.com/office/drawing/2010/main">
                   <a:solidFill>
                     <a:srgbClr val="FFFFFF"/>
                   </a:solidFill>
                 </a14:hiddenFill>
               </a:ext>
-              <a:ext uri="{91240B29-F687-4f45-9708-019B960494DF}">
+              <a:ext uri="{91240B29-F687-4F45-9708-019B960494DF}">
                 <a14:hiddenLine xmlns:a14="http://schemas.microsoft.com/office/drawing/2010/main" w="9525">
                   <a:solidFill>
                     <a:srgbClr val="000000"/>
@@ -17797,14 +17903,14 @@
             <a:noFill/>
           </a:ln>
           <a:extLst>
-            <a:ext uri="{909E8E84-426E-40dd-AFC4-6F175D3DCCD1}">
+            <a:ext uri="{909E8E84-426E-40DD-AFC4-6F175D3DCCD1}">
               <a14:hiddenFill xmlns:a14="http://schemas.microsoft.com/office/drawing/2010/main">
                 <a:solidFill>
                   <a:srgbClr val="FFFFFF"/>
                 </a:solidFill>
               </a14:hiddenFill>
             </a:ext>
-            <a:ext uri="{91240B29-F687-4f45-9708-019B960494DF}">
+            <a:ext uri="{91240B29-F687-4F45-9708-019B960494DF}">
               <a14:hiddenLine xmlns:a14="http://schemas.microsoft.com/office/drawing/2010/main" w="9525">
                 <a:solidFill>
                   <a:srgbClr val="000000"/>
@@ -17962,14 +18068,14 @@
             <a:noFill/>
           </a:ln>
           <a:extLst>
-            <a:ext uri="{909E8E84-426E-40dd-AFC4-6F175D3DCCD1}">
+            <a:ext uri="{909E8E84-426E-40DD-AFC4-6F175D3DCCD1}">
               <a14:hiddenFill xmlns:a14="http://schemas.microsoft.com/office/drawing/2010/main">
                 <a:solidFill>
                   <a:srgbClr val="FFFFFF"/>
                 </a:solidFill>
               </a14:hiddenFill>
             </a:ext>
-            <a:ext uri="{91240B29-F687-4f45-9708-019B960494DF}">
+            <a:ext uri="{91240B29-F687-4F45-9708-019B960494DF}">
               <a14:hiddenLine xmlns:a14="http://schemas.microsoft.com/office/drawing/2010/main" w="9525">
                 <a:solidFill>
                   <a:srgbClr val="000000"/>
@@ -19435,14 +19541,14 @@
             <a:noFill/>
           </a:ln>
           <a:extLst>
-            <a:ext uri="{909E8E84-426E-40dd-AFC4-6F175D3DCCD1}">
+            <a:ext uri="{909E8E84-426E-40DD-AFC4-6F175D3DCCD1}">
               <a14:hiddenFill xmlns:a14="http://schemas.microsoft.com/office/drawing/2010/main">
                 <a:solidFill>
                   <a:srgbClr val="FFFFFF"/>
                 </a:solidFill>
               </a14:hiddenFill>
             </a:ext>
-            <a:ext uri="{91240B29-F687-4f45-9708-019B960494DF}">
+            <a:ext uri="{91240B29-F687-4F45-9708-019B960494DF}">
               <a14:hiddenLine xmlns:a14="http://schemas.microsoft.com/office/drawing/2010/main" w="9525">
                 <a:solidFill>
                   <a:srgbClr val="000000"/>
@@ -19592,7 +19698,7 @@
   <p:timing>
     <p:tnLst>
       <p:par>
-        <p:cTn xmlns:p14="http://schemas.microsoft.com/office/powerpoint/2010/main" id="1" dur="indefinite" restart="never" nodeType="tmRoot"/>
+        <p:cTn id="1" dur="indefinite" restart="never" nodeType="tmRoot"/>
       </p:par>
     </p:tnLst>
   </p:timing>
@@ -19769,14 +19875,14 @@
             <a:noFill/>
           </a:ln>
           <a:extLst>
-            <a:ext uri="{909E8E84-426E-40dd-AFC4-6F175D3DCCD1}">
+            <a:ext uri="{909E8E84-426E-40DD-AFC4-6F175D3DCCD1}">
               <a14:hiddenFill xmlns:a14="http://schemas.microsoft.com/office/drawing/2010/main">
                 <a:solidFill>
                   <a:srgbClr val="FFFFFF"/>
                 </a:solidFill>
               </a14:hiddenFill>
             </a:ext>
-            <a:ext uri="{91240B29-F687-4f45-9708-019B960494DF}">
+            <a:ext uri="{91240B29-F687-4F45-9708-019B960494DF}">
               <a14:hiddenLine xmlns:a14="http://schemas.microsoft.com/office/drawing/2010/main" w="9525">
                 <a:solidFill>
                   <a:srgbClr val="000000"/>
@@ -19802,7 +19908,7 @@
   <p:timing>
     <p:tnLst>
       <p:par>
-        <p:cTn xmlns:p14="http://schemas.microsoft.com/office/powerpoint/2010/main" id="1" dur="indefinite" restart="never" nodeType="tmRoot"/>
+        <p:cTn id="1" dur="indefinite" restart="never" nodeType="tmRoot"/>
       </p:par>
     </p:tnLst>
   </p:timing>
@@ -19996,7 +20102,7 @@
                 <a:latin typeface="Georgia" charset="0"/>
               </a:rPr>
               <a:pPr eaLnBrk="1" hangingPunct="1"/>
-              <a:t>3/19/13</a:t>
+              <a:t>3/24/2013</a:t>
             </a:fld>
             <a:endParaRPr lang="en-US">
               <a:solidFill>
@@ -21203,14 +21309,14 @@
             <a:noFill/>
           </a:ln>
           <a:extLst>
-            <a:ext uri="{909E8E84-426E-40dd-AFC4-6F175D3DCCD1}">
+            <a:ext uri="{909E8E84-426E-40DD-AFC4-6F175D3DCCD1}">
               <a14:hiddenFill xmlns:a14="http://schemas.microsoft.com/office/drawing/2010/main">
                 <a:solidFill>
                   <a:srgbClr val="FFFFFF"/>
                 </a:solidFill>
               </a14:hiddenFill>
             </a:ext>
-            <a:ext uri="{91240B29-F687-4f45-9708-019B960494DF}">
+            <a:ext uri="{91240B29-F687-4F45-9708-019B960494DF}">
               <a14:hiddenLine xmlns:a14="http://schemas.microsoft.com/office/drawing/2010/main" w="9525">
                 <a:solidFill>
                   <a:srgbClr val="000000"/>
@@ -21472,14 +21578,14 @@
             <a:noFill/>
           </a:ln>
           <a:extLst>
-            <a:ext uri="{909E8E84-426E-40dd-AFC4-6F175D3DCCD1}">
+            <a:ext uri="{909E8E84-426E-40DD-AFC4-6F175D3DCCD1}">
               <a14:hiddenFill xmlns:a14="http://schemas.microsoft.com/office/drawing/2010/main">
                 <a:solidFill>
                   <a:srgbClr val="FFFFFF"/>
                 </a:solidFill>
               </a14:hiddenFill>
             </a:ext>
-            <a:ext uri="{91240B29-F687-4f45-9708-019B960494DF}">
+            <a:ext uri="{91240B29-F687-4F45-9708-019B960494DF}">
               <a14:hiddenLine xmlns:a14="http://schemas.microsoft.com/office/drawing/2010/main" w="9525">
                 <a:solidFill>
                   <a:srgbClr val="000000"/>
@@ -21643,14 +21749,14 @@
             <a:noFill/>
           </a:ln>
           <a:extLst>
-            <a:ext uri="{909E8E84-426E-40dd-AFC4-6F175D3DCCD1}">
+            <a:ext uri="{909E8E84-426E-40DD-AFC4-6F175D3DCCD1}">
               <a14:hiddenFill xmlns:a14="http://schemas.microsoft.com/office/drawing/2010/main">
                 <a:solidFill>
                   <a:srgbClr val="FFFFFF"/>
                 </a:solidFill>
               </a14:hiddenFill>
             </a:ext>
-            <a:ext uri="{91240B29-F687-4f45-9708-019B960494DF}">
+            <a:ext uri="{91240B29-F687-4F45-9708-019B960494DF}">
               <a14:hiddenLine xmlns:a14="http://schemas.microsoft.com/office/drawing/2010/main" w="9525">
                 <a:solidFill>
                   <a:srgbClr val="000000"/>
@@ -22105,14 +22211,14 @@
             <a:noFill/>
           </a:ln>
           <a:extLst>
-            <a:ext uri="{909E8E84-426E-40dd-AFC4-6F175D3DCCD1}">
+            <a:ext uri="{909E8E84-426E-40DD-AFC4-6F175D3DCCD1}">
               <a14:hiddenFill xmlns:a14="http://schemas.microsoft.com/office/drawing/2010/main">
                 <a:solidFill>
                   <a:srgbClr val="FFFFFF"/>
                 </a:solidFill>
               </a14:hiddenFill>
             </a:ext>
-            <a:ext uri="{91240B29-F687-4f45-9708-019B960494DF}">
+            <a:ext uri="{91240B29-F687-4F45-9708-019B960494DF}">
               <a14:hiddenLine xmlns:a14="http://schemas.microsoft.com/office/drawing/2010/main" w="9525">
                 <a:solidFill>
                   <a:srgbClr val="000000"/>
@@ -22276,14 +22382,14 @@
             <a:noFill/>
           </a:ln>
           <a:extLst>
-            <a:ext uri="{909E8E84-426E-40dd-AFC4-6F175D3DCCD1}">
+            <a:ext uri="{909E8E84-426E-40DD-AFC4-6F175D3DCCD1}">
               <a14:hiddenFill xmlns:a14="http://schemas.microsoft.com/office/drawing/2010/main">
                 <a:solidFill>
                   <a:srgbClr val="FFFFFF"/>
                 </a:solidFill>
               </a14:hiddenFill>
             </a:ext>
-            <a:ext uri="{91240B29-F687-4f45-9708-019B960494DF}">
+            <a:ext uri="{91240B29-F687-4F45-9708-019B960494DF}">
               <a14:hiddenLine xmlns:a14="http://schemas.microsoft.com/office/drawing/2010/main" w="9525">
                 <a:solidFill>
                   <a:srgbClr val="000000"/>
@@ -22447,14 +22553,14 @@
             <a:noFill/>
           </a:ln>
           <a:extLst>
-            <a:ext uri="{909E8E84-426E-40dd-AFC4-6F175D3DCCD1}">
+            <a:ext uri="{909E8E84-426E-40DD-AFC4-6F175D3DCCD1}">
               <a14:hiddenFill xmlns:a14="http://schemas.microsoft.com/office/drawing/2010/main">
                 <a:solidFill>
                   <a:srgbClr val="FFFFFF"/>
                 </a:solidFill>
               </a14:hiddenFill>
             </a:ext>
-            <a:ext uri="{91240B29-F687-4f45-9708-019B960494DF}">
+            <a:ext uri="{91240B29-F687-4F45-9708-019B960494DF}">
               <a14:hiddenLine xmlns:a14="http://schemas.microsoft.com/office/drawing/2010/main" w="9525">
                 <a:solidFill>
                   <a:srgbClr val="000000"/>
@@ -22718,14 +22824,14 @@
             <a:noFill/>
           </a:ln>
           <a:extLst>
-            <a:ext uri="{909E8E84-426E-40dd-AFC4-6F175D3DCCD1}">
+            <a:ext uri="{909E8E84-426E-40DD-AFC4-6F175D3DCCD1}">
               <a14:hiddenFill xmlns:a14="http://schemas.microsoft.com/office/drawing/2010/main">
                 <a:solidFill>
                   <a:srgbClr val="FFFFFF"/>
                 </a:solidFill>
               </a14:hiddenFill>
             </a:ext>
-            <a:ext uri="{91240B29-F687-4f45-9708-019B960494DF}">
+            <a:ext uri="{91240B29-F687-4F45-9708-019B960494DF}">
               <a14:hiddenLine xmlns:a14="http://schemas.microsoft.com/office/drawing/2010/main" w="9525">
                 <a:solidFill>
                   <a:srgbClr val="000000"/>
@@ -22889,14 +22995,14 @@
             <a:noFill/>
           </a:ln>
           <a:extLst>
-            <a:ext uri="{909E8E84-426E-40dd-AFC4-6F175D3DCCD1}">
+            <a:ext uri="{909E8E84-426E-40DD-AFC4-6F175D3DCCD1}">
               <a14:hiddenFill xmlns:a14="http://schemas.microsoft.com/office/drawing/2010/main">
                 <a:solidFill>
                   <a:srgbClr val="FFFFFF"/>
                 </a:solidFill>
               </a14:hiddenFill>
             </a:ext>
-            <a:ext uri="{91240B29-F687-4f45-9708-019B960494DF}">
+            <a:ext uri="{91240B29-F687-4F45-9708-019B960494DF}">
               <a14:hiddenLine xmlns:a14="http://schemas.microsoft.com/office/drawing/2010/main" w="9525">
                 <a:solidFill>
                   <a:srgbClr val="000000"/>
@@ -23097,14 +23203,14 @@
             <a:noFill/>
           </a:ln>
           <a:extLst>
-            <a:ext uri="{909E8E84-426E-40dd-AFC4-6F175D3DCCD1}">
+            <a:ext uri="{909E8E84-426E-40DD-AFC4-6F175D3DCCD1}">
               <a14:hiddenFill xmlns:a14="http://schemas.microsoft.com/office/drawing/2010/main">
                 <a:solidFill>
                   <a:srgbClr val="FFFFFF"/>
                 </a:solidFill>
               </a14:hiddenFill>
             </a:ext>
-            <a:ext uri="{91240B29-F687-4f45-9708-019B960494DF}">
+            <a:ext uri="{91240B29-F687-4F45-9708-019B960494DF}">
               <a14:hiddenLine xmlns:a14="http://schemas.microsoft.com/office/drawing/2010/main" w="9525">
                 <a:solidFill>
                   <a:srgbClr val="000000"/>
@@ -23317,14 +23423,14 @@
             <a:noFill/>
           </a:ln>
           <a:extLst>
-            <a:ext uri="{909E8E84-426E-40dd-AFC4-6F175D3DCCD1}">
+            <a:ext uri="{909E8E84-426E-40DD-AFC4-6F175D3DCCD1}">
               <a14:hiddenFill xmlns:a14="http://schemas.microsoft.com/office/drawing/2010/main">
                 <a:solidFill>
                   <a:srgbClr val="FFFFFF"/>
                 </a:solidFill>
               </a14:hiddenFill>
             </a:ext>
-            <a:ext uri="{91240B29-F687-4f45-9708-019B960494DF}">
+            <a:ext uri="{91240B29-F687-4F45-9708-019B960494DF}">
               <a14:hiddenLine xmlns:a14="http://schemas.microsoft.com/office/drawing/2010/main" w="9525">
                 <a:solidFill>
                   <a:srgbClr val="000000"/>
@@ -23568,14 +23674,14 @@
             <a:noFill/>
           </a:ln>
           <a:extLst>
-            <a:ext uri="{909E8E84-426E-40dd-AFC4-6F175D3DCCD1}">
+            <a:ext uri="{909E8E84-426E-40DD-AFC4-6F175D3DCCD1}">
               <a14:hiddenFill xmlns:a14="http://schemas.microsoft.com/office/drawing/2010/main">
                 <a:solidFill>
                   <a:srgbClr val="FFFFFF"/>
                 </a:solidFill>
               </a14:hiddenFill>
             </a:ext>
-            <a:ext uri="{91240B29-F687-4f45-9708-019B960494DF}">
+            <a:ext uri="{91240B29-F687-4F45-9708-019B960494DF}">
               <a14:hiddenLine xmlns:a14="http://schemas.microsoft.com/office/drawing/2010/main" w="9525">
                 <a:solidFill>
                   <a:srgbClr val="000000"/>
@@ -23731,7 +23837,7 @@
   <p:timing>
     <p:tnLst>
       <p:par>
-        <p:cTn xmlns:p14="http://schemas.microsoft.com/office/powerpoint/2010/main" id="1" dur="indefinite" restart="never" nodeType="tmRoot"/>
+        <p:cTn id="1" dur="indefinite" restart="never" nodeType="tmRoot"/>
       </p:par>
     </p:tnLst>
   </p:timing>
@@ -23928,7 +24034,7 @@
                 <a:latin typeface="Georgia" charset="0"/>
               </a:rPr>
               <a:pPr eaLnBrk="1" hangingPunct="1"/>
-              <a:t>3/19/13</a:t>
+              <a:t>3/24/2013</a:t>
             </a:fld>
             <a:endParaRPr lang="en-US">
               <a:solidFill>
@@ -24200,7 +24306,7 @@
   <p:timing>
     <p:tnLst>
       <p:par>
-        <p:cTn xmlns:p14="http://schemas.microsoft.com/office/powerpoint/2010/main" id="1" dur="indefinite" restart="never" nodeType="tmRoot"/>
+        <p:cTn id="1" dur="indefinite" restart="never" nodeType="tmRoot"/>
       </p:par>
     </p:tnLst>
   </p:timing>
